--- a/translations/en-us/beginner/SoundSensor.pptx
+++ b/translations/en-us/beginner/SoundSensor.pptx
@@ -222,7 +222,7 @@
           <a:p>
             <a:fld id="{F8D9B3D7-15CB-9343-AA49-EFB5A8F33F18}" type="datetimeFigureOut">
               <a:rPr lang="en-US" smtClean="0"/>
-              <a:t>7/4/16</a:t>
+              <a:t>7/19/16</a:t>
             </a:fld>
             <a:endParaRPr lang="en-US"/>
           </a:p>
@@ -388,7 +388,7 @@
           <a:p>
             <a:fld id="{FD3EFF1E-85A1-6640-AFB9-C38833E80A84}" type="datetimeFigureOut">
               <a:rPr lang="en-US" smtClean="0"/>
-              <a:t>7/4/16</a:t>
+              <a:t>7/19/16</a:t>
             </a:fld>
             <a:endParaRPr lang="en-US"/>
           </a:p>
@@ -956,7 +956,7 @@
           <a:p>
             <a:fld id="{82E7C473-BA81-F049-B92E-80FB1B6CCEAE}" type="datetime1">
               <a:rPr lang="en-US" smtClean="0"/>
-              <a:t>7/4/16</a:t>
+              <a:t>7/19/16</a:t>
             </a:fld>
             <a:endParaRPr lang="en-US"/>
           </a:p>
@@ -1130,7 +1130,7 @@
           <a:p>
             <a:fld id="{F09418E7-4544-7340-A004-4DA995B9CB80}" type="datetime1">
               <a:rPr lang="en-US" smtClean="0"/>
-              <a:t>7/4/16</a:t>
+              <a:t>7/19/16</a:t>
             </a:fld>
             <a:endParaRPr lang="en-US"/>
           </a:p>
@@ -1314,7 +1314,7 @@
           <a:p>
             <a:fld id="{2176A1F0-8533-FE44-9D1A-778B76635056}" type="datetime1">
               <a:rPr lang="en-US" smtClean="0"/>
-              <a:t>7/4/16</a:t>
+              <a:t>7/19/16</a:t>
             </a:fld>
             <a:endParaRPr lang="en-US"/>
           </a:p>
@@ -1531,7 +1531,7 @@
           <a:p>
             <a:fld id="{1E91B6E9-711D-5542-9BFC-063A91168D06}" type="datetime1">
               <a:rPr lang="en-US" smtClean="0"/>
-              <a:t>7/4/16</a:t>
+              <a:t>7/19/16</a:t>
             </a:fld>
             <a:endParaRPr lang="en-US"/>
           </a:p>
@@ -1750,7 +1750,7 @@
           <a:noFill/>
           <a:extLst>
             <a:ext uri="{909E8E84-426E-40dd-AFC4-6F175D3DCCD1}">
-              <a14:hiddenFill xmlns:a14="http://schemas.microsoft.com/office/drawing/2010/main" xmlns="">
+              <a14:hiddenFill xmlns="" xmlns:a14="http://schemas.microsoft.com/office/drawing/2010/main">
                 <a:solidFill>
                   <a:srgbClr val="FFFFFF"/>
                 </a:solidFill>
@@ -2082,7 +2082,7 @@
           <a:p>
             <a:fld id="{8D65DBAA-4B96-BA4E-92DB-93F0298D2A8B}" type="datetime1">
               <a:rPr lang="en-US" smtClean="0"/>
-              <a:t>7/4/16</a:t>
+              <a:t>7/19/16</a:t>
             </a:fld>
             <a:endParaRPr lang="en-US"/>
           </a:p>
@@ -2355,7 +2355,7 @@
           <a:p>
             <a:fld id="{DBCAB0B0-9800-6144-A0E0-8CBE35A2E58D}" type="datetime1">
               <a:rPr lang="en-US" smtClean="0"/>
-              <a:t>7/4/16</a:t>
+              <a:t>7/19/16</a:t>
             </a:fld>
             <a:endParaRPr lang="en-US"/>
           </a:p>
@@ -2660,7 +2660,7 @@
           <a:p>
             <a:fld id="{15ABF8BA-2AE8-C643-B503-8690CD484F98}" type="datetime1">
               <a:rPr lang="en-US" smtClean="0"/>
-              <a:t>7/4/16</a:t>
+              <a:t>7/19/16</a:t>
             </a:fld>
             <a:endParaRPr lang="en-US"/>
           </a:p>
@@ -3123,7 +3123,7 @@
           <a:p>
             <a:fld id="{8C9E6307-C5E6-284A-BE8E-78A2B7F5238C}" type="datetime1">
               <a:rPr lang="en-US" smtClean="0"/>
-              <a:t>7/4/16</a:t>
+              <a:t>7/19/16</a:t>
             </a:fld>
             <a:endParaRPr lang="en-US"/>
           </a:p>
@@ -3260,7 +3260,7 @@
           <a:p>
             <a:fld id="{1843DC61-1642-4748-9CC9-78266B7E1C41}" type="datetime1">
               <a:rPr lang="en-US" smtClean="0"/>
-              <a:t>7/4/16</a:t>
+              <a:t>7/19/16</a:t>
             </a:fld>
             <a:endParaRPr lang="en-US"/>
           </a:p>
@@ -3374,7 +3374,7 @@
           <a:p>
             <a:fld id="{0B6D6741-3B23-B045-864B-8F2961214255}" type="datetime1">
               <a:rPr lang="en-US" smtClean="0"/>
-              <a:t>7/4/16</a:t>
+              <a:t>7/19/16</a:t>
             </a:fld>
             <a:endParaRPr lang="en-US"/>
           </a:p>
@@ -3633,7 +3633,7 @@
           <a:p>
             <a:fld id="{B4D6B6DC-AE29-CB48-87F9-48635B873A12}" type="datetime1">
               <a:rPr lang="en-US" smtClean="0"/>
-              <a:t>7/4/16</a:t>
+              <a:t>7/19/16</a:t>
             </a:fld>
             <a:endParaRPr lang="en-US"/>
           </a:p>
@@ -3838,7 +3838,7 @@
           <a:p>
             <a:fld id="{48B7A592-871E-1049-91CD-95097175A758}" type="datetime1">
               <a:rPr lang="en-US" smtClean="0"/>
-              <a:t>7/4/16</a:t>
+              <a:t>7/19/16</a:t>
             </a:fld>
             <a:endParaRPr lang="en-US"/>
           </a:p>
@@ -4118,7 +4118,7 @@
           <a:p>
             <a:fld id="{533E13CC-0A18-2A4B-9D6F-C27B47490B21}" type="datetime1">
               <a:rPr lang="en-US" smtClean="0"/>
-              <a:t>7/4/16</a:t>
+              <a:t>7/19/16</a:t>
             </a:fld>
             <a:endParaRPr lang="en-US"/>
           </a:p>
@@ -4388,7 +4388,7 @@
           <a:p>
             <a:fld id="{F35E6DC9-BDC6-784F-8AC6-7F092335CA59}" type="datetime1">
               <a:rPr lang="en-US" smtClean="0"/>
-              <a:t>7/4/16</a:t>
+              <a:t>7/19/16</a:t>
             </a:fld>
             <a:endParaRPr lang="en-US"/>
           </a:p>
@@ -4580,7 +4580,7 @@
           <a:p>
             <a:fld id="{1EF3DFD1-D09D-484C-BDAF-6DE35EAA4C19}" type="datetime1">
               <a:rPr lang="en-US" smtClean="0"/>
-              <a:t>7/4/16</a:t>
+              <a:t>7/19/16</a:t>
             </a:fld>
             <a:endParaRPr lang="en-US"/>
           </a:p>
@@ -4784,7 +4784,7 @@
           <a:p>
             <a:fld id="{FB3C27F4-8F47-AB44-80A9-CD1759473ECD}" type="datetime1">
               <a:rPr lang="en-US" smtClean="0"/>
-              <a:t>7/4/16</a:t>
+              <a:t>7/19/16</a:t>
             </a:fld>
             <a:endParaRPr lang="en-US"/>
           </a:p>
@@ -4958,7 +4958,7 @@
           <a:p>
             <a:fld id="{3EC3183F-8457-D342-972A-4A014CCE0473}" type="datetime1">
               <a:rPr lang="en-US" smtClean="0"/>
-              <a:t>7/4/16</a:t>
+              <a:t>7/19/16</a:t>
             </a:fld>
             <a:endParaRPr lang="en-US"/>
           </a:p>
@@ -5208,7 +5208,7 @@
           <a:p>
             <a:fld id="{D1BBD6A6-1423-5247-8931-28FA810238E8}" type="datetime1">
               <a:rPr lang="en-US" smtClean="0"/>
-              <a:t>7/4/16</a:t>
+              <a:t>7/19/16</a:t>
             </a:fld>
             <a:endParaRPr lang="en-US"/>
           </a:p>
@@ -5444,7 +5444,7 @@
           <a:p>
             <a:fld id="{F3F5B72C-DBFC-454D-8B3B-E0BA4284A9E7}" type="datetime1">
               <a:rPr lang="en-US" smtClean="0"/>
-              <a:t>7/4/16</a:t>
+              <a:t>7/19/16</a:t>
             </a:fld>
             <a:endParaRPr lang="en-US"/>
           </a:p>
@@ -5815,7 +5815,7 @@
           <a:p>
             <a:fld id="{5BFF336B-9CB2-F742-9031-923ED79E5DF5}" type="datetime1">
               <a:rPr lang="en-US" smtClean="0"/>
-              <a:t>7/4/16</a:t>
+              <a:t>7/19/16</a:t>
             </a:fld>
             <a:endParaRPr lang="en-US"/>
           </a:p>
@@ -5937,7 +5937,7 @@
           <a:p>
             <a:fld id="{C10C14F0-A460-0D4B-B825-DA8992F5E2FA}" type="datetime1">
               <a:rPr lang="en-US" smtClean="0"/>
-              <a:t>7/4/16</a:t>
+              <a:t>7/19/16</a:t>
             </a:fld>
             <a:endParaRPr lang="en-US"/>
           </a:p>
@@ -6036,7 +6036,7 @@
           <a:p>
             <a:fld id="{44AA7815-2951-6249-A239-7E92E9AA331C}" type="datetime1">
               <a:rPr lang="en-US" smtClean="0"/>
-              <a:t>7/4/16</a:t>
+              <a:t>7/19/16</a:t>
             </a:fld>
             <a:endParaRPr lang="en-US"/>
           </a:p>
@@ -6286,7 +6286,7 @@
           <a:p>
             <a:fld id="{1330CEE1-F151-AA4B-BE50-2648DDF3C1C7}" type="datetime1">
               <a:rPr lang="en-US" smtClean="0"/>
-              <a:t>7/4/16</a:t>
+              <a:t>7/19/16</a:t>
             </a:fld>
             <a:endParaRPr lang="en-US"/>
           </a:p>
@@ -6567,7 +6567,7 @@
           <a:p>
             <a:fld id="{BAC86A54-C3A8-6A47-8CF2-839B8CF64F99}" type="datetime1">
               <a:rPr lang="en-US" smtClean="0"/>
-              <a:t>7/4/16</a:t>
+              <a:t>7/19/16</a:t>
             </a:fld>
             <a:endParaRPr lang="en-US"/>
           </a:p>
@@ -6828,7 +6828,7 @@
           <a:p>
             <a:fld id="{6962E5EA-9BFE-2947-A952-5B1A3C6D01E6}" type="datetime1">
               <a:rPr lang="en-US" smtClean="0"/>
-              <a:t>7/4/16</a:t>
+              <a:t>7/19/16</a:t>
             </a:fld>
             <a:endParaRPr lang="en-US"/>
           </a:p>
@@ -7002,7 +7002,7 @@
           <a:p>
             <a:fld id="{BA349474-8EDD-3443-BF11-7E42C53DAFCB}" type="datetime1">
               <a:rPr lang="en-US" smtClean="0"/>
-              <a:t>7/4/16</a:t>
+              <a:t>7/19/16</a:t>
             </a:fld>
             <a:endParaRPr lang="en-US"/>
           </a:p>
@@ -7186,7 +7186,7 @@
           <a:p>
             <a:fld id="{A658E3FC-BA66-3641-ABC3-AC21A8AFC601}" type="datetime1">
               <a:rPr lang="en-US" smtClean="0"/>
-              <a:t>7/4/16</a:t>
+              <a:t>7/19/16</a:t>
             </a:fld>
             <a:endParaRPr lang="en-US"/>
           </a:p>
@@ -7439,7 +7439,7 @@
           <a:p>
             <a:fld id="{FCEF9500-A375-6748-8ACC-324CE04740CA}" type="datetime1">
               <a:rPr lang="en-US" smtClean="0"/>
-              <a:t>7/4/16</a:t>
+              <a:t>7/19/16</a:t>
             </a:fld>
             <a:endParaRPr lang="en-US"/>
           </a:p>
@@ -7793,7 +7793,7 @@
           <a:p>
             <a:fld id="{E5D27421-6587-7242-B5B0-0D5DB3CB7031}" type="datetime1">
               <a:rPr lang="en-US" smtClean="0"/>
-              <a:t>7/4/16</a:t>
+              <a:t>7/19/16</a:t>
             </a:fld>
             <a:endParaRPr lang="en-US"/>
           </a:p>
@@ -8140,7 +8140,7 @@
           <a:p>
             <a:fld id="{A2BFF01A-3005-BB48-AE17-E77698323F46}" type="datetime1">
               <a:rPr lang="en-US" smtClean="0"/>
-              <a:t>7/4/16</a:t>
+              <a:t>7/19/16</a:t>
             </a:fld>
             <a:endParaRPr lang="en-US"/>
           </a:p>
@@ -8391,7 +8391,7 @@
           <a:p>
             <a:fld id="{C4BCEA90-35F5-6E46-9BC9-2F08628DB3E3}" type="datetime1">
               <a:rPr lang="en-US" smtClean="0"/>
-              <a:t>7/4/16</a:t>
+              <a:t>7/19/16</a:t>
             </a:fld>
             <a:endParaRPr lang="en-US"/>
           </a:p>
@@ -8769,7 +8769,7 @@
           <a:p>
             <a:fld id="{E8677142-308E-104C-8F36-2A9341D35728}" type="datetime1">
               <a:rPr lang="en-US" smtClean="0"/>
-              <a:t>7/4/16</a:t>
+              <a:t>7/19/16</a:t>
             </a:fld>
             <a:endParaRPr lang="en-US"/>
           </a:p>
@@ -8914,7 +8914,7 @@
           <a:p>
             <a:fld id="{8C4EA722-38A0-D04D-8D49-2535CA53F03A}" type="datetime1">
               <a:rPr lang="en-US" smtClean="0"/>
-              <a:t>7/4/16</a:t>
+              <a:t>7/19/16</a:t>
             </a:fld>
             <a:endParaRPr lang="en-US"/>
           </a:p>
@@ -9150,7 +9150,7 @@
           <a:p>
             <a:fld id="{1D988EF2-DE24-794D-BDDD-7BB8B1DB9AA0}" type="datetime1">
               <a:rPr lang="en-US" smtClean="0"/>
-              <a:t>7/4/16</a:t>
+              <a:t>7/19/16</a:t>
             </a:fld>
             <a:endParaRPr lang="en-US"/>
           </a:p>
@@ -9325,7 +9325,7 @@
           <a:p>
             <a:fld id="{A48DB39F-B404-B046-9A9E-D0D1C442D0C4}" type="datetime1">
               <a:rPr lang="en-US" smtClean="0"/>
-              <a:t>7/4/16</a:t>
+              <a:t>7/19/16</a:t>
             </a:fld>
             <a:endParaRPr lang="en-US"/>
           </a:p>
@@ -9683,7 +9683,7 @@
           <a:p>
             <a:fld id="{1A14FA62-BA50-454D-B5F4-BEC9DE13952A}" type="datetime1">
               <a:rPr lang="en-US" smtClean="0"/>
-              <a:t>7/4/16</a:t>
+              <a:t>7/19/16</a:t>
             </a:fld>
             <a:endParaRPr lang="en-US"/>
           </a:p>
@@ -10069,7 +10069,7 @@
           <a:p>
             <a:fld id="{790575FE-9E6C-F242-B44A-2295D847FEB9}" type="datetime1">
               <a:rPr lang="en-US" smtClean="0"/>
-              <a:t>7/4/16</a:t>
+              <a:t>7/19/16</a:t>
             </a:fld>
             <a:endParaRPr lang="en-US"/>
           </a:p>
@@ -10243,7 +10243,7 @@
           <a:p>
             <a:fld id="{87CD1FDE-4DED-D24A-BA4F-30158F01DCB1}" type="datetime1">
               <a:rPr lang="en-US" smtClean="0"/>
-              <a:t>7/4/16</a:t>
+              <a:t>7/19/16</a:t>
             </a:fld>
             <a:endParaRPr lang="en-US"/>
           </a:p>
@@ -10503,7 +10503,7 @@
           <a:p>
             <a:fld id="{E37FE861-746C-ED43-BF8C-19DE5192BA03}" type="datetime1">
               <a:rPr lang="en-US" smtClean="0"/>
-              <a:t>7/4/16</a:t>
+              <a:t>7/19/16</a:t>
             </a:fld>
             <a:endParaRPr lang="en-US"/>
           </a:p>
@@ -10720,7 +10720,7 @@
           <a:p>
             <a:fld id="{9DD984BB-465E-3A49-835A-9459468D38F9}" type="datetime1">
               <a:rPr lang="en-US" smtClean="0"/>
-              <a:t>7/4/16</a:t>
+              <a:t>7/19/16</a:t>
             </a:fld>
             <a:endParaRPr lang="en-US"/>
           </a:p>
@@ -10939,7 +10939,7 @@
           <a:noFill/>
           <a:extLst>
             <a:ext uri="{909E8E84-426E-40dd-AFC4-6F175D3DCCD1}">
-              <a14:hiddenFill xmlns:a14="http://schemas.microsoft.com/office/drawing/2010/main" xmlns="">
+              <a14:hiddenFill xmlns="" xmlns:a14="http://schemas.microsoft.com/office/drawing/2010/main">
                 <a:solidFill>
                   <a:srgbClr val="FFFFFF"/>
                 </a:solidFill>
@@ -11157,7 +11157,7 @@
           <a:p>
             <a:fld id="{7AA88D65-2AFF-6847-A184-6BB2BE3A331F}" type="datetime1">
               <a:rPr lang="en-US" smtClean="0"/>
-              <a:t>7/4/16</a:t>
+              <a:t>7/19/16</a:t>
             </a:fld>
             <a:endParaRPr lang="en-US"/>
           </a:p>
@@ -11430,7 +11430,7 @@
           <a:p>
             <a:fld id="{FE139DD8-763D-F94B-9557-E178C9AAE84B}" type="datetime1">
               <a:rPr lang="en-US" smtClean="0"/>
-              <a:t>7/4/16</a:t>
+              <a:t>7/19/16</a:t>
             </a:fld>
             <a:endParaRPr lang="en-US"/>
           </a:p>
@@ -11736,7 +11736,7 @@
           <a:p>
             <a:fld id="{F2564492-D547-F548-94EA-853A12E5B201}" type="datetime1">
               <a:rPr lang="en-US" smtClean="0"/>
-              <a:t>7/4/16</a:t>
+              <a:t>7/19/16</a:t>
             </a:fld>
             <a:endParaRPr lang="en-US"/>
           </a:p>
@@ -12199,7 +12199,7 @@
           <a:p>
             <a:fld id="{441E9439-F875-474E-93D8-3F1C02291504}" type="datetime1">
               <a:rPr lang="en-US" smtClean="0"/>
-              <a:t>7/4/16</a:t>
+              <a:t>7/19/16</a:t>
             </a:fld>
             <a:endParaRPr lang="en-US"/>
           </a:p>
@@ -12585,7 +12585,7 @@
           <a:p>
             <a:fld id="{CFC1182F-9442-564B-9FE0-0A366B2687C8}" type="datetime1">
               <a:rPr lang="en-US" smtClean="0"/>
-              <a:t>7/4/16</a:t>
+              <a:t>7/19/16</a:t>
             </a:fld>
             <a:endParaRPr lang="en-US"/>
           </a:p>
@@ -12707,7 +12707,7 @@
           <a:p>
             <a:fld id="{A5AD0245-411D-5645-8D24-EE713642DCA3}" type="datetime1">
               <a:rPr lang="en-US" smtClean="0"/>
-              <a:t>7/4/16</a:t>
+              <a:t>7/19/16</a:t>
             </a:fld>
             <a:endParaRPr lang="en-US"/>
           </a:p>
@@ -12821,7 +12821,7 @@
           <a:p>
             <a:fld id="{FE139DD8-763D-F94B-9557-E178C9AAE84B}" type="datetime1">
               <a:rPr lang="en-US" smtClean="0"/>
-              <a:t>7/4/16</a:t>
+              <a:t>7/19/16</a:t>
             </a:fld>
             <a:endParaRPr lang="en-US"/>
           </a:p>
@@ -13081,7 +13081,7 @@
           <a:p>
             <a:fld id="{FE139DD8-763D-F94B-9557-E178C9AAE84B}" type="datetime1">
               <a:rPr lang="en-US" smtClean="0"/>
-              <a:t>7/4/16</a:t>
+              <a:t>7/19/16</a:t>
             </a:fld>
             <a:endParaRPr lang="en-US"/>
           </a:p>
@@ -13393,7 +13393,7 @@
           <a:p>
             <a:fld id="{FE139DD8-763D-F94B-9557-E178C9AAE84B}" type="datetime1">
               <a:rPr lang="en-US" smtClean="0"/>
-              <a:t>7/4/16</a:t>
+              <a:t>7/19/16</a:t>
             </a:fld>
             <a:endParaRPr lang="en-US"/>
           </a:p>
@@ -13664,7 +13664,7 @@
           <a:p>
             <a:fld id="{DADCF4A0-EA59-CC47-A06A-761D2A4B4AC8}" type="datetime1">
               <a:rPr lang="en-US" smtClean="0"/>
-              <a:t>7/4/16</a:t>
+              <a:t>7/19/16</a:t>
             </a:fld>
             <a:endParaRPr lang="en-US"/>
           </a:p>
@@ -13856,7 +13856,7 @@
           <a:p>
             <a:fld id="{2AD7D69C-EE9A-5844-BDD2-EE495878225E}" type="datetime1">
               <a:rPr lang="en-US" smtClean="0"/>
-              <a:t>7/4/16</a:t>
+              <a:t>7/19/16</a:t>
             </a:fld>
             <a:endParaRPr lang="en-US"/>
           </a:p>
@@ -14060,7 +14060,7 @@
           <a:p>
             <a:fld id="{132E8F0C-F690-984D-97A5-2A1A1F38CA45}" type="datetime1">
               <a:rPr lang="en-US" smtClean="0"/>
-              <a:t>7/4/16</a:t>
+              <a:t>7/19/16</a:t>
             </a:fld>
             <a:endParaRPr lang="en-US"/>
           </a:p>
@@ -14234,7 +14234,7 @@
           <a:p>
             <a:fld id="{204D42F3-05E2-6E4D-B22F-A4B15202BAD6}" type="datetime1">
               <a:rPr lang="en-US" smtClean="0"/>
-              <a:t>7/4/16</a:t>
+              <a:t>7/19/16</a:t>
             </a:fld>
             <a:endParaRPr lang="en-US"/>
           </a:p>
@@ -14484,7 +14484,7 @@
           <a:p>
             <a:fld id="{87E96F11-32C1-0647-8775-D1AB0BA87447}" type="datetime1">
               <a:rPr lang="en-US" smtClean="0"/>
-              <a:t>7/4/16</a:t>
+              <a:t>7/19/16</a:t>
             </a:fld>
             <a:endParaRPr lang="en-US"/>
           </a:p>
@@ -14720,7 +14720,7 @@
           <a:p>
             <a:fld id="{BF29773A-9F6B-644E-8854-3F0DE6573F35}" type="datetime1">
               <a:rPr lang="en-US" smtClean="0"/>
-              <a:t>7/4/16</a:t>
+              <a:t>7/19/16</a:t>
             </a:fld>
             <a:endParaRPr lang="en-US"/>
           </a:p>
@@ -14842,7 +14842,7 @@
           <a:p>
             <a:fld id="{85022E0C-7EEE-B245-8BD0-501967C89422}" type="datetime1">
               <a:rPr lang="en-US" smtClean="0"/>
-              <a:t>7/4/16</a:t>
+              <a:t>7/19/16</a:t>
             </a:fld>
             <a:endParaRPr lang="en-US"/>
           </a:p>
@@ -15213,7 +15213,7 @@
           <a:p>
             <a:fld id="{5F1887CE-B5F5-C846-B1D4-89864134B8B5}" type="datetime1">
               <a:rPr lang="en-US" smtClean="0"/>
-              <a:t>7/4/16</a:t>
+              <a:t>7/19/16</a:t>
             </a:fld>
             <a:endParaRPr lang="en-US"/>
           </a:p>
@@ -15335,7 +15335,7 @@
           <a:p>
             <a:fld id="{7AEBC33B-711B-1844-9F3C-BCAB2B5BD778}" type="datetime1">
               <a:rPr lang="en-US" smtClean="0"/>
-              <a:t>7/4/16</a:t>
+              <a:t>7/19/16</a:t>
             </a:fld>
             <a:endParaRPr lang="en-US"/>
           </a:p>
@@ -15434,7 +15434,7 @@
           <a:p>
             <a:fld id="{F209EC25-A7D8-AB48-8ED4-52E52BF98EDF}" type="datetime1">
               <a:rPr lang="en-US" smtClean="0"/>
-              <a:t>7/4/16</a:t>
+              <a:t>7/19/16</a:t>
             </a:fld>
             <a:endParaRPr lang="en-US"/>
           </a:p>
@@ -15715,7 +15715,7 @@
           <a:p>
             <a:fld id="{84CA1FE6-FF84-C74B-94A0-0BF8B206D8E1}" type="datetime1">
               <a:rPr lang="en-US" smtClean="0"/>
-              <a:t>7/4/16</a:t>
+              <a:t>7/19/16</a:t>
             </a:fld>
             <a:endParaRPr lang="en-US"/>
           </a:p>
@@ -15976,7 +15976,7 @@
           <a:p>
             <a:fld id="{51F7F84D-39EF-844E-BF6B-853328168FEF}" type="datetime1">
               <a:rPr lang="en-US" smtClean="0"/>
-              <a:t>7/4/16</a:t>
+              <a:t>7/19/16</a:t>
             </a:fld>
             <a:endParaRPr lang="en-US"/>
           </a:p>
@@ -16150,7 +16150,7 @@
           <a:p>
             <a:fld id="{DBB2536E-A1EC-6044-B344-3C42F179AAC1}" type="datetime1">
               <a:rPr lang="en-US" smtClean="0"/>
-              <a:t>7/4/16</a:t>
+              <a:t>7/19/16</a:t>
             </a:fld>
             <a:endParaRPr lang="en-US"/>
           </a:p>
@@ -16334,7 +16334,7 @@
           <a:p>
             <a:fld id="{25AAE7DB-ADC3-2445-B7E9-F3B6CE7C531F}" type="datetime1">
               <a:rPr lang="en-US" smtClean="0"/>
-              <a:t>7/4/16</a:t>
+              <a:t>7/19/16</a:t>
             </a:fld>
             <a:endParaRPr lang="en-US"/>
           </a:p>
@@ -16433,7 +16433,7 @@
           <a:p>
             <a:fld id="{6904022C-CC62-8D43-A3FF-94DFA5BC6494}" type="datetime1">
               <a:rPr lang="en-US" smtClean="0"/>
-              <a:t>7/4/16</a:t>
+              <a:t>7/19/16</a:t>
             </a:fld>
             <a:endParaRPr lang="en-US"/>
           </a:p>
@@ -16714,7 +16714,7 @@
           <a:p>
             <a:fld id="{D244D07C-4E86-6041-B1D3-A6B0D3D915FF}" type="datetime1">
               <a:rPr lang="en-US" smtClean="0"/>
-              <a:t>7/4/16</a:t>
+              <a:t>7/19/16</a:t>
             </a:fld>
             <a:endParaRPr lang="en-US"/>
           </a:p>
@@ -16971,7 +16971,7 @@
           <a:p>
             <a:fld id="{4D26F791-F23B-EE4F-886D-EE14E245B72A}" type="datetime1">
               <a:rPr lang="en-US" smtClean="0"/>
-              <a:t>7/4/16</a:t>
+              <a:t>7/19/16</a:t>
             </a:fld>
             <a:endParaRPr lang="en-US"/>
           </a:p>
@@ -17188,7 +17188,7 @@
           <a:p>
             <a:fld id="{F2A7A654-5146-E645-87FB-4CABA52494D6}" type="datetime1">
               <a:rPr lang="en-US" smtClean="0"/>
-              <a:t>7/4/16</a:t>
+              <a:t>7/19/16</a:t>
             </a:fld>
             <a:endParaRPr lang="en-US"/>
           </a:p>
@@ -17731,7 +17731,7 @@
           <a:p>
             <a:fld id="{208BD069-2577-E440-90D3-A1BD81049E75}" type="datetime1">
               <a:rPr lang="en-US" smtClean="0"/>
-              <a:t>7/4/16</a:t>
+              <a:t>7/19/16</a:t>
             </a:fld>
             <a:endParaRPr lang="en-US"/>
           </a:p>
@@ -18496,7 +18496,7 @@
           <a:p>
             <a:fld id="{485FC179-2BEF-164A-9057-16697693AE5A}" type="datetime1">
               <a:rPr lang="en-US" smtClean="0"/>
-              <a:t>7/4/16</a:t>
+              <a:t>7/19/16</a:t>
             </a:fld>
             <a:endParaRPr lang="en-US"/>
           </a:p>
@@ -19117,7 +19117,7 @@
           <a:p>
             <a:fld id="{1F8BBAD2-CFAA-EB41-B508-A65A27FDBAE9}" type="datetime1">
               <a:rPr lang="en-US" smtClean="0"/>
-              <a:t>7/4/16</a:t>
+              <a:t>7/19/16</a:t>
             </a:fld>
             <a:endParaRPr lang="en-US"/>
           </a:p>
@@ -19817,7 +19817,7 @@
           <a:p>
             <a:fld id="{F2A7A654-5146-E645-87FB-4CABA52494D6}" type="datetime1">
               <a:rPr lang="en-US" smtClean="0"/>
-              <a:t>7/4/16</a:t>
+              <a:t>7/19/16</a:t>
             </a:fld>
             <a:endParaRPr lang="en-US"/>
           </a:p>
@@ -20468,7 +20468,7 @@
           <a:p>
             <a:fld id="{D602BB09-AD7A-F342-B78F-330E2C5B2E11}" type="datetime1">
               <a:rPr lang="en-US" smtClean="0"/>
-              <a:t>7/4/16</a:t>
+              <a:t>7/19/16</a:t>
             </a:fld>
             <a:endParaRPr lang="en-US"/>
           </a:p>
@@ -20928,6 +20928,35 @@
           </a:p>
         </p:txBody>
       </p:sp>
+      <p:pic>
+        <p:nvPicPr>
+          <p:cNvPr id="4" name="Picture 3"/>
+          <p:cNvPicPr>
+            <a:picLocks noChangeAspect="1"/>
+          </p:cNvPicPr>
+          <p:nvPr/>
+        </p:nvPicPr>
+        <p:blipFill rotWithShape="1">
+          <a:blip r:embed="rId3">
+            <a:extLst>
+              <a:ext uri="{28A0092B-C50C-407E-A947-70E740481C1C}">
+                <a14:useLocalDpi xmlns:a14="http://schemas.microsoft.com/office/drawing/2010/main" val="0"/>
+              </a:ext>
+            </a:extLst>
+          </a:blip>
+          <a:srcRect l="4523" t="17619" r="3095" b="25000"/>
+          <a:stretch/>
+        </p:blipFill>
+        <p:spPr>
+          <a:xfrm>
+            <a:off x="3711108" y="4592409"/>
+            <a:ext cx="1700816" cy="1056435"/>
+          </a:xfrm>
+          <a:prstGeom prst="rect">
+            <a:avLst/>
+          </a:prstGeom>
+        </p:spPr>
+      </p:pic>
     </p:spTree>
     <p:extLst>
       <p:ext uri="{BB962C8B-B14F-4D97-AF65-F5344CB8AC3E}">
@@ -21009,11 +21038,7 @@
             </a:pPr>
             <a:r>
               <a:rPr lang="en-US" dirty="0" smtClean="0"/>
-              <a:t>Learn to use the </a:t>
-            </a:r>
-            <a:r>
-              <a:rPr lang="en-US" dirty="0" smtClean="0"/>
-              <a:t>NXT Sound Sensor with the EV3</a:t>
+              <a:t>Learn to use the NXT Sound Sensor with the EV3</a:t>
             </a:r>
           </a:p>
           <a:p>
@@ -21185,15 +21210,7 @@
             </a:pPr>
             <a:r>
               <a:rPr lang="en-US" b="0" dirty="0" smtClean="0"/>
-              <a:t>The Sound </a:t>
-            </a:r>
-            <a:r>
-              <a:rPr lang="en-US" b="0" dirty="0" smtClean="0"/>
-              <a:t>Sensor Block </a:t>
-            </a:r>
-            <a:r>
-              <a:rPr lang="en-US" b="0" dirty="0" smtClean="0"/>
-              <a:t>is available for download on the </a:t>
+              <a:t>The Sound Sensor Block is available for download on the </a:t>
             </a:r>
             <a:r>
               <a:rPr lang="en-US" b="0" dirty="0" err="1" smtClean="0"/>
@@ -21237,11 +21254,7 @@
             </a:pPr>
             <a:r>
               <a:rPr lang="en-US" b="0" dirty="0" smtClean="0"/>
-              <a:t>Download </a:t>
-            </a:r>
-            <a:r>
-              <a:rPr lang="en-US" b="0" dirty="0" smtClean="0"/>
-              <a:t>the block using the Importing Additional Blocks Lesson in Beginner</a:t>
+              <a:t>Download the block using the Importing Additional Blocks Lesson in Beginner</a:t>
             </a:r>
           </a:p>
         </p:txBody>
@@ -21537,7 +21550,6 @@
               <a:rPr lang="en-US" altLang="en-US" dirty="0" smtClean="0"/>
               <a:t>Switch - NXT Sound Sensor</a:t>
             </a:r>
-            <a:endParaRPr lang="en-US" altLang="en-US" dirty="0" smtClean="0"/>
           </a:p>
         </p:txBody>
       </p:sp>
@@ -21829,15 +21841,7 @@
             </a:pPr>
             <a:r>
               <a:rPr lang="en-US" altLang="en-US" dirty="0" smtClean="0"/>
-              <a:t> W</a:t>
-            </a:r>
-            <a:r>
-              <a:rPr lang="en-US" altLang="en-US" dirty="0" smtClean="0"/>
-              <a:t>rite </a:t>
-            </a:r>
-            <a:r>
-              <a:rPr lang="en-US" altLang="en-US" dirty="0" smtClean="0"/>
-              <a:t>a “Celebration” program where the robot moves faster or slower depending on how loud the sound is</a:t>
+              <a:t> Write a “Celebration” program where the robot moves faster or slower depending on how loud the sound is</a:t>
             </a:r>
           </a:p>
           <a:p>
@@ -21856,7 +21860,6 @@
               <a:rPr lang="en-US" altLang="en-US" dirty="0" smtClean="0"/>
               <a:t> Hint</a:t>
             </a:r>
-            <a:endParaRPr lang="en-US" altLang="en-US" dirty="0" smtClean="0"/>
           </a:p>
           <a:p>
             <a:pPr lvl="1">
@@ -21869,11 +21872,7 @@
             </a:r>
             <a:r>
               <a:rPr lang="en-US" altLang="en-US" dirty="0" smtClean="0"/>
-              <a:t>Sensor Block </a:t>
-            </a:r>
-            <a:r>
-              <a:rPr lang="en-US" altLang="en-US" dirty="0" smtClean="0"/>
-              <a:t>will be used</a:t>
+              <a:t>Sensor Block will be used</a:t>
             </a:r>
           </a:p>
           <a:p>
@@ -22322,7 +22321,7 @@
           <a:effectLst/>
           <a:extLst>
             <a:ext uri="{91240B29-F687-4f45-9708-019B960494DF}">
-              <a14:hiddenLine xmlns:a14="http://schemas.microsoft.com/office/drawing/2010/main" xmlns="" w="9525">
+              <a14:hiddenLine xmlns="" xmlns:a14="http://schemas.microsoft.com/office/drawing/2010/main" w="9525">
                 <a:solidFill>
                   <a:schemeClr val="tx1"/>
                 </a:solidFill>
@@ -22332,7 +22331,7 @@
               </a14:hiddenLine>
             </a:ext>
             <a:ext uri="{AF507438-7753-43e0-B8FC-AC1667EBCBE1}">
-              <a14:hiddenEffects xmlns:a14="http://schemas.microsoft.com/office/drawing/2010/main" xmlns="">
+              <a14:hiddenEffects xmlns="" xmlns:a14="http://schemas.microsoft.com/office/drawing/2010/main">
                 <a:effectLst>
                   <a:outerShdw dist="35921" dir="2700000" algn="ctr" rotWithShape="0">
                     <a:schemeClr val="bg2"/>
@@ -22685,7 +22684,7 @@
           <a:noFill/>
           <a:extLst>
             <a:ext uri="{909E8E84-426E-40dd-AFC4-6F175D3DCCD1}">
-              <a14:hiddenFill xmlns:a14="http://schemas.microsoft.com/office/drawing/2010/main" xmlns="">
+              <a14:hiddenFill xmlns="" xmlns:a14="http://schemas.microsoft.com/office/drawing/2010/main">
                 <a:solidFill>
                   <a:srgbClr val="FFFFFF"/>
                 </a:solidFill>
